--- a/03-Machine_Learning/01-Supervisado/Supervisado_conceptos.pptx
+++ b/03-Machine_Learning/01-Supervisado/Supervisado_conceptos.pptx
@@ -276,7 +276,7 @@
       <p15:sldGuideLst xmlns:p15="http://schemas.microsoft.com/office/powerpoint/2012/main"/>
     </p:ext>
     <p:ext uri="http://customooxmlschemas.google.com/">
-      <go:slidesCustomData xmlns:go="http://customooxmlschemas.google.com/" xmlns:ahyp="http://schemas.microsoft.com/office/drawing/2018/hyperlinkcolor" xmlns:p15="http://schemas.microsoft.com/office/powerpoint/2012/main" xmlns:p14="http://schemas.microsoft.com/office/powerpoint/2010/main" xmlns:com="http://schemas.openxmlformats.org/drawingml/2006/compatibility" xmlns:pvml="urn:schemas-microsoft-com:office:powerpoint" xmlns:v="urn:schemas-microsoft-com:vml" xmlns:o="urn:schemas-microsoft-com:office:office" xmlns:dgm="http://schemas.openxmlformats.org/drawingml/2006/diagram" xmlns:c="http://schemas.openxmlformats.org/drawingml/2006/chart" xmlns:mv="urn:schemas-microsoft-com:mac:vml" xmlns:mc="http://schemas.openxmlformats.org/markup-compatibility/2006" xmlns="" r:id="rId35" roundtripDataSignature="AMtx7miuGAYpEUa6YWxgWsB/YZMBTWybsQ=="/>
+      <go:slidesCustomData xmlns="" xmlns:mc="http://schemas.openxmlformats.org/markup-compatibility/2006" xmlns:mv="urn:schemas-microsoft-com:mac:vml" xmlns:c="http://schemas.openxmlformats.org/drawingml/2006/chart" xmlns:dgm="http://schemas.openxmlformats.org/drawingml/2006/diagram" xmlns:o="urn:schemas-microsoft-com:office:office" xmlns:v="urn:schemas-microsoft-com:vml" xmlns:pvml="urn:schemas-microsoft-com:office:powerpoint" xmlns:com="http://schemas.openxmlformats.org/drawingml/2006/compatibility" xmlns:p14="http://schemas.microsoft.com/office/powerpoint/2010/main" xmlns:p15="http://schemas.microsoft.com/office/powerpoint/2012/main" xmlns:ahyp="http://schemas.microsoft.com/office/drawing/2018/hyperlinkcolor" xmlns:go="http://customooxmlschemas.google.com/" r:id="rId35" roundtripDataSignature="AMtx7miuGAYpEUa6YWxgWsB/YZMBTWybsQ=="/>
     </p:ext>
   </p:extLst>
 </p:presentation>
@@ -15940,7 +15940,7 @@
               <a:buNone/>
             </a:pPr>
             <a:r>
-              <a:rPr lang="es-ES" sz="1400">
+              <a:rPr lang="es-ES" sz="1400" dirty="0">
                 <a:solidFill>
                   <a:schemeClr val="lt1"/>
                 </a:solidFill>
@@ -15949,9 +15949,9 @@
                 <a:cs typeface="Calibri"/>
                 <a:sym typeface="Calibri"/>
               </a:rPr>
-              <a:t>¡Bingo! Parece que he encontrado el mejor modelo</a:t>
+              <a:t>¡Eureka! Parece que he encontrado el mejor modelo</a:t>
             </a:r>
-            <a:endParaRPr/>
+            <a:endParaRPr dirty="0"/>
           </a:p>
           <a:p>
             <a:pPr marL="0" marR="0" lvl="0" indent="0" algn="ctr" rtl="0">
@@ -15963,7 +15963,7 @@
               </a:spcAft>
               <a:buNone/>
             </a:pPr>
-            <a:endParaRPr sz="1400">
+            <a:endParaRPr sz="1400" dirty="0">
               <a:solidFill>
                 <a:schemeClr val="lt1"/>
               </a:solidFill>
@@ -41185,18 +41185,18 @@
               <a:buNone/>
             </a:pPr>
             <a:r>
-              <a:rPr lang="es-ES"/>
+              <a:rPr lang="es-ES" dirty="0"/>
               <a:t>Existen varios tipos de modelos… </a:t>
             </a:r>
             <a:r>
-              <a:rPr lang="es-ES">
+              <a:rPr lang="es-ES" dirty="0">
                 <a:solidFill>
                   <a:srgbClr val="C00000"/>
                 </a:solidFill>
               </a:rPr>
-              <a:t>¿Cómo se que he elegido el que da mejores resultados?</a:t>
+              <a:t>¿Cómo sé que he elegido el que da mejores resultados?</a:t>
             </a:r>
-            <a:endParaRPr/>
+            <a:endParaRPr dirty="0"/>
           </a:p>
         </p:txBody>
       </p:sp>
@@ -41384,9 +41384,129 @@
           </a:p>
         </p:txBody>
       </p:sp>
+      <p:sp>
+        <p:nvSpPr>
+          <p:cNvPr id="221" name="Google Shape;221;p8"/>
+          <p:cNvSpPr txBox="1"/>
+          <p:nvPr/>
+        </p:nvSpPr>
+        <p:spPr>
+          <a:xfrm>
+            <a:off x="340805" y="2454756"/>
+            <a:ext cx="3655022" cy="307777"/>
+          </a:xfrm>
+          <a:prstGeom prst="rect">
+            <a:avLst/>
+          </a:prstGeom>
+          <a:noFill/>
+          <a:ln>
+            <a:noFill/>
+          </a:ln>
+        </p:spPr>
+        <p:txBody>
+          <a:bodyPr spcFirstLastPara="1" wrap="square" lIns="91425" tIns="45700" rIns="91425" bIns="45700" anchor="t" anchorCtr="0">
+            <a:spAutoFit/>
+          </a:bodyPr>
+          <a:lstStyle/>
+          <a:p>
+            <a:pPr marL="0" marR="0" lvl="0" indent="0" algn="ctr" rtl="0">
+              <a:spcBef>
+                <a:spcPts val="0"/>
+              </a:spcBef>
+              <a:spcAft>
+                <a:spcPts val="0"/>
+              </a:spcAft>
+              <a:buNone/>
+            </a:pPr>
+            <a:r>
+              <a:rPr lang="es-ES" sz="1400" b="1">
+                <a:solidFill>
+                  <a:schemeClr val="lt1"/>
+                </a:solidFill>
+                <a:latin typeface="Calibri"/>
+                <a:ea typeface="Calibri"/>
+                <a:cs typeface="Calibri"/>
+                <a:sym typeface="Calibri"/>
+              </a:rPr>
+              <a:t>¿Cuál es el mejor modelo para nuestros datos?</a:t>
+            </a:r>
+            <a:endParaRPr/>
+          </a:p>
+        </p:txBody>
+      </p:sp>
+      <p:sp>
+        <p:nvSpPr>
+          <p:cNvPr id="222" name="Google Shape;222;p8"/>
+          <p:cNvSpPr txBox="1"/>
+          <p:nvPr/>
+        </p:nvSpPr>
+        <p:spPr>
+          <a:xfrm>
+            <a:off x="5028062" y="2684973"/>
+            <a:ext cx="1893277" cy="523220"/>
+          </a:xfrm>
+          <a:prstGeom prst="rect">
+            <a:avLst/>
+          </a:prstGeom>
+          <a:noFill/>
+          <a:ln>
+            <a:noFill/>
+          </a:ln>
+        </p:spPr>
+        <p:txBody>
+          <a:bodyPr spcFirstLastPara="1" wrap="square" lIns="91425" tIns="45700" rIns="91425" bIns="45700" anchor="t" anchorCtr="0">
+            <a:spAutoFit/>
+          </a:bodyPr>
+          <a:lstStyle/>
+          <a:p>
+            <a:pPr marL="0" marR="0" lvl="0" indent="0" algn="ctr" rtl="0">
+              <a:spcBef>
+                <a:spcPts val="0"/>
+              </a:spcBef>
+              <a:spcAft>
+                <a:spcPts val="0"/>
+              </a:spcAft>
+              <a:buNone/>
+            </a:pPr>
+            <a:r>
+              <a:rPr lang="es-ES" sz="1400">
+                <a:solidFill>
+                  <a:schemeClr val="lt1"/>
+                </a:solidFill>
+                <a:latin typeface="Calibri"/>
+                <a:ea typeface="Calibri"/>
+                <a:cs typeface="Calibri"/>
+                <a:sym typeface="Calibri"/>
+              </a:rPr>
+              <a:t>Método científico</a:t>
+            </a:r>
+            <a:endParaRPr/>
+          </a:p>
+          <a:p>
+            <a:pPr marL="0" marR="0" lvl="0" indent="0" algn="ctr" rtl="0">
+              <a:spcBef>
+                <a:spcPts val="0"/>
+              </a:spcBef>
+              <a:spcAft>
+                <a:spcPts val="0"/>
+              </a:spcAft>
+              <a:buNone/>
+            </a:pPr>
+            <a:endParaRPr sz="1400">
+              <a:solidFill>
+                <a:schemeClr val="lt1"/>
+              </a:solidFill>
+              <a:latin typeface="Calibri"/>
+              <a:ea typeface="Calibri"/>
+              <a:cs typeface="Calibri"/>
+              <a:sym typeface="Calibri"/>
+            </a:endParaRPr>
+          </a:p>
+        </p:txBody>
+      </p:sp>
       <p:pic>
         <p:nvPicPr>
-          <p:cNvPr id="220" name="Google Shape;220;p8" descr="FOTOS] Así era la vida de Bailey, la perrita que se hizo viral por meme &quot;no  tengo idea qué estoy haciendo&quot; - Meganoticias"/>
+          <p:cNvPr id="223" name="Google Shape;223;p8" descr="The scientific method is a process for experimentation"/>
           <p:cNvPicPr preferRelativeResize="0"/>
           <p:nvPr/>
         </p:nvPicPr>
@@ -41399,153 +41519,6 @@
         </p:blipFill>
         <p:spPr>
           <a:xfrm>
-            <a:off x="638629" y="3251581"/>
-            <a:ext cx="3059375" cy="1941944"/>
-          </a:xfrm>
-          <a:prstGeom prst="rect">
-            <a:avLst/>
-          </a:prstGeom>
-          <a:noFill/>
-          <a:ln>
-            <a:noFill/>
-          </a:ln>
-        </p:spPr>
-      </p:pic>
-      <p:sp>
-        <p:nvSpPr>
-          <p:cNvPr id="221" name="Google Shape;221;p8"/>
-          <p:cNvSpPr txBox="1"/>
-          <p:nvPr/>
-        </p:nvSpPr>
-        <p:spPr>
-          <a:xfrm>
-            <a:off x="340805" y="2454756"/>
-            <a:ext cx="3655022" cy="307777"/>
-          </a:xfrm>
-          <a:prstGeom prst="rect">
-            <a:avLst/>
-          </a:prstGeom>
-          <a:noFill/>
-          <a:ln>
-            <a:noFill/>
-          </a:ln>
-        </p:spPr>
-        <p:txBody>
-          <a:bodyPr spcFirstLastPara="1" wrap="square" lIns="91425" tIns="45700" rIns="91425" bIns="45700" anchor="t" anchorCtr="0">
-            <a:spAutoFit/>
-          </a:bodyPr>
-          <a:lstStyle/>
-          <a:p>
-            <a:pPr marL="0" marR="0" lvl="0" indent="0" algn="ctr" rtl="0">
-              <a:spcBef>
-                <a:spcPts val="0"/>
-              </a:spcBef>
-              <a:spcAft>
-                <a:spcPts val="0"/>
-              </a:spcAft>
-              <a:buNone/>
-            </a:pPr>
-            <a:r>
-              <a:rPr lang="es-ES" sz="1400" b="1">
-                <a:solidFill>
-                  <a:schemeClr val="lt1"/>
-                </a:solidFill>
-                <a:latin typeface="Calibri"/>
-                <a:ea typeface="Calibri"/>
-                <a:cs typeface="Calibri"/>
-                <a:sym typeface="Calibri"/>
-              </a:rPr>
-              <a:t>¿Cuál es el mejor modelo para nuestros datos?</a:t>
-            </a:r>
-            <a:endParaRPr/>
-          </a:p>
-        </p:txBody>
-      </p:sp>
-      <p:sp>
-        <p:nvSpPr>
-          <p:cNvPr id="222" name="Google Shape;222;p8"/>
-          <p:cNvSpPr txBox="1"/>
-          <p:nvPr/>
-        </p:nvSpPr>
-        <p:spPr>
-          <a:xfrm>
-            <a:off x="5028062" y="2684973"/>
-            <a:ext cx="1893277" cy="523220"/>
-          </a:xfrm>
-          <a:prstGeom prst="rect">
-            <a:avLst/>
-          </a:prstGeom>
-          <a:noFill/>
-          <a:ln>
-            <a:noFill/>
-          </a:ln>
-        </p:spPr>
-        <p:txBody>
-          <a:bodyPr spcFirstLastPara="1" wrap="square" lIns="91425" tIns="45700" rIns="91425" bIns="45700" anchor="t" anchorCtr="0">
-            <a:spAutoFit/>
-          </a:bodyPr>
-          <a:lstStyle/>
-          <a:p>
-            <a:pPr marL="0" marR="0" lvl="0" indent="0" algn="ctr" rtl="0">
-              <a:spcBef>
-                <a:spcPts val="0"/>
-              </a:spcBef>
-              <a:spcAft>
-                <a:spcPts val="0"/>
-              </a:spcAft>
-              <a:buNone/>
-            </a:pPr>
-            <a:r>
-              <a:rPr lang="es-ES" sz="1400">
-                <a:solidFill>
-                  <a:schemeClr val="lt1"/>
-                </a:solidFill>
-                <a:latin typeface="Calibri"/>
-                <a:ea typeface="Calibri"/>
-                <a:cs typeface="Calibri"/>
-                <a:sym typeface="Calibri"/>
-              </a:rPr>
-              <a:t>Método científico</a:t>
-            </a:r>
-            <a:endParaRPr/>
-          </a:p>
-          <a:p>
-            <a:pPr marL="0" marR="0" lvl="0" indent="0" algn="ctr" rtl="0">
-              <a:spcBef>
-                <a:spcPts val="0"/>
-              </a:spcBef>
-              <a:spcAft>
-                <a:spcPts val="0"/>
-              </a:spcAft>
-              <a:buNone/>
-            </a:pPr>
-            <a:endParaRPr sz="1400">
-              <a:solidFill>
-                <a:schemeClr val="lt1"/>
-              </a:solidFill>
-              <a:latin typeface="Calibri"/>
-              <a:ea typeface="Calibri"/>
-              <a:cs typeface="Calibri"/>
-              <a:sym typeface="Calibri"/>
-            </a:endParaRPr>
-          </a:p>
-        </p:txBody>
-      </p:sp>
-      <p:pic>
-        <p:nvPicPr>
-          <p:cNvPr id="223" name="Google Shape;223;p8" descr="The scientific method is a process for experimentation"/>
-          <p:cNvPicPr preferRelativeResize="0"/>
-          <p:nvPr/>
-        </p:nvPicPr>
-        <p:blipFill rotWithShape="1">
-          <a:blip r:embed="rId4">
-            <a:alphaModFix/>
-          </a:blip>
-          <a:srcRect/>
-          <a:stretch/>
-        </p:blipFill>
-        <p:spPr>
-          <a:xfrm>
             <a:off x="4804461" y="3037004"/>
             <a:ext cx="2438400" cy="2438400"/>
           </a:xfrm>
@@ -41659,7 +41632,7 @@
           <p:nvPr/>
         </p:nvPicPr>
         <p:blipFill rotWithShape="1">
-          <a:blip r:embed="rId5">
+          <a:blip r:embed="rId4">
             <a:alphaModFix/>
           </a:blip>
           <a:srcRect/>
@@ -41857,6 +41830,36 @@
           </a:p>
         </p:txBody>
       </p:sp>
+      <p:pic>
+        <p:nvPicPr>
+          <p:cNvPr id="3" name="Imagen 2">
+            <a:extLst>
+              <a:ext uri="{FF2B5EF4-FFF2-40B4-BE49-F238E27FC236}">
+                <a16:creationId xmlns:a16="http://schemas.microsoft.com/office/drawing/2014/main" id="{B5062CD7-D51E-8CFA-DCAF-5C558F585369}"/>
+              </a:ext>
+            </a:extLst>
+          </p:cNvPr>
+          <p:cNvPicPr>
+            <a:picLocks noChangeAspect="1"/>
+          </p:cNvPicPr>
+          <p:nvPr/>
+        </p:nvPicPr>
+        <p:blipFill>
+          <a:blip r:embed="rId5"/>
+          <a:stretch>
+            <a:fillRect/>
+          </a:stretch>
+        </p:blipFill>
+        <p:spPr>
+          <a:xfrm>
+            <a:off x="756900" y="3161216"/>
+            <a:ext cx="2822831" cy="2780383"/>
+          </a:xfrm>
+          <a:prstGeom prst="rect">
+            <a:avLst/>
+          </a:prstGeom>
+        </p:spPr>
+      </p:pic>
     </p:spTree>
   </p:cSld>
   <p:clrMapOvr>
@@ -41909,33 +41912,6 @@
                                   </p:childTnLst>
                                 </p:cTn>
                               </p:par>
-                              <p:par>
-                                <p:cTn id="7" presetID="1" presetClass="entr" presetSubtype="0" fill="hold" nodeType="withEffect">
-                                  <p:stCondLst>
-                                    <p:cond delay="0"/>
-                                  </p:stCondLst>
-                                  <p:childTnLst>
-                                    <p:set>
-                                      <p:cBhvr>
-                                        <p:cTn id="8" dur="1" fill="hold">
-                                          <p:stCondLst>
-                                            <p:cond delay="0"/>
-                                          </p:stCondLst>
-                                        </p:cTn>
-                                        <p:tgtEl>
-                                          <p:spTgt spid="220"/>
-                                        </p:tgtEl>
-                                        <p:attrNameLst>
-                                          <p:attrName>style.visibility</p:attrName>
-                                        </p:attrNameLst>
-                                      </p:cBhvr>
-                                      <p:to>
-                                        <p:strVal val="visible"/>
-                                      </p:to>
-                                    </p:set>
-                                  </p:childTnLst>
-                                </p:cTn>
-                              </p:par>
                             </p:childTnLst>
                           </p:cTn>
                         </p:par>
@@ -41943,26 +41919,26 @@
                     </p:cTn>
                   </p:par>
                   <p:par>
-                    <p:cTn id="9" fill="hold">
+                    <p:cTn id="7" fill="hold">
                       <p:stCondLst>
                         <p:cond delay="indefinite"/>
                       </p:stCondLst>
                       <p:childTnLst>
                         <p:par>
-                          <p:cTn id="10" fill="hold">
+                          <p:cTn id="8" fill="hold">
                             <p:stCondLst>
                               <p:cond delay="0"/>
                             </p:stCondLst>
                             <p:childTnLst>
                               <p:par>
-                                <p:cTn id="11" presetID="1" presetClass="entr" presetSubtype="0" fill="hold" nodeType="clickEffect">
+                                <p:cTn id="9" presetID="1" presetClass="entr" presetSubtype="0" fill="hold" nodeType="clickEffect">
                                   <p:stCondLst>
                                     <p:cond delay="0"/>
                                   </p:stCondLst>
                                   <p:childTnLst>
                                     <p:set>
                                       <p:cBhvr>
-                                        <p:cTn id="12" dur="1" fill="hold">
+                                        <p:cTn id="10" dur="1" fill="hold">
                                           <p:stCondLst>
                                             <p:cond delay="0"/>
                                           </p:stCondLst>
@@ -41988,26 +41964,26 @@
                     </p:cTn>
                   </p:par>
                   <p:par>
-                    <p:cTn id="13" fill="hold">
+                    <p:cTn id="11" fill="hold">
                       <p:stCondLst>
                         <p:cond delay="indefinite"/>
                       </p:stCondLst>
                       <p:childTnLst>
                         <p:par>
-                          <p:cTn id="14" fill="hold">
+                          <p:cTn id="12" fill="hold">
                             <p:stCondLst>
                               <p:cond delay="0"/>
                             </p:stCondLst>
                             <p:childTnLst>
                               <p:par>
-                                <p:cTn id="15" presetID="1" presetClass="entr" presetSubtype="0" fill="hold" nodeType="clickEffect">
+                                <p:cTn id="13" presetID="1" presetClass="entr" presetSubtype="0" fill="hold" nodeType="clickEffect">
                                   <p:stCondLst>
                                     <p:cond delay="0"/>
                                   </p:stCondLst>
                                   <p:childTnLst>
                                     <p:set>
                                       <p:cBhvr>
-                                        <p:cTn id="16" dur="1" fill="hold">
+                                        <p:cTn id="14" dur="1" fill="hold">
                                           <p:stCondLst>
                                             <p:cond delay="0"/>
                                           </p:stCondLst>
@@ -42027,14 +42003,14 @@
                                 </p:cTn>
                               </p:par>
                               <p:par>
-                                <p:cTn id="17" presetID="1" presetClass="entr" presetSubtype="0" fill="hold" nodeType="withEffect">
+                                <p:cTn id="15" presetID="1" presetClass="entr" presetSubtype="0" fill="hold" nodeType="withEffect">
                                   <p:stCondLst>
                                     <p:cond delay="0"/>
                                   </p:stCondLst>
                                   <p:childTnLst>
                                     <p:set>
                                       <p:cBhvr>
-                                        <p:cTn id="18" dur="1" fill="hold">
+                                        <p:cTn id="16" dur="1" fill="hold">
                                           <p:stCondLst>
                                             <p:cond delay="0"/>
                                           </p:stCondLst>
@@ -42060,26 +42036,26 @@
                     </p:cTn>
                   </p:par>
                   <p:par>
-                    <p:cTn id="19" fill="hold">
+                    <p:cTn id="17" fill="hold">
                       <p:stCondLst>
                         <p:cond delay="indefinite"/>
                       </p:stCondLst>
                       <p:childTnLst>
                         <p:par>
-                          <p:cTn id="20" fill="hold">
+                          <p:cTn id="18" fill="hold">
                             <p:stCondLst>
                               <p:cond delay="0"/>
                             </p:stCondLst>
                             <p:childTnLst>
                               <p:par>
-                                <p:cTn id="21" presetID="1" presetClass="entr" presetSubtype="0" fill="hold" nodeType="clickEffect">
+                                <p:cTn id="19" presetID="1" presetClass="entr" presetSubtype="0" fill="hold" nodeType="clickEffect">
                                   <p:stCondLst>
                                     <p:cond delay="0"/>
                                   </p:stCondLst>
                                   <p:childTnLst>
                                     <p:set>
                                       <p:cBhvr>
-                                        <p:cTn id="22" dur="1" fill="hold">
+                                        <p:cTn id="20" dur="1" fill="hold">
                                           <p:stCondLst>
                                             <p:cond delay="0"/>
                                           </p:stCondLst>
@@ -42105,26 +42081,26 @@
                     </p:cTn>
                   </p:par>
                   <p:par>
-                    <p:cTn id="23" fill="hold">
+                    <p:cTn id="21" fill="hold">
                       <p:stCondLst>
                         <p:cond delay="indefinite"/>
                       </p:stCondLst>
                       <p:childTnLst>
                         <p:par>
-                          <p:cTn id="24" fill="hold">
+                          <p:cTn id="22" fill="hold">
                             <p:stCondLst>
                               <p:cond delay="0"/>
                             </p:stCondLst>
                             <p:childTnLst>
                               <p:par>
-                                <p:cTn id="25" presetID="1" presetClass="entr" presetSubtype="0" fill="hold" nodeType="clickEffect">
+                                <p:cTn id="23" presetID="1" presetClass="entr" presetSubtype="0" fill="hold" nodeType="clickEffect">
                                   <p:stCondLst>
                                     <p:cond delay="0"/>
                                   </p:stCondLst>
                                   <p:childTnLst>
                                     <p:set>
                                       <p:cBhvr>
-                                        <p:cTn id="26" dur="1" fill="hold">
+                                        <p:cTn id="24" dur="1" fill="hold">
                                           <p:stCondLst>
                                             <p:cond delay="0"/>
                                           </p:stCondLst>
@@ -42144,14 +42120,14 @@
                                 </p:cTn>
                               </p:par>
                               <p:par>
-                                <p:cTn id="27" presetID="1" presetClass="entr" presetSubtype="0" fill="hold" nodeType="withEffect">
+                                <p:cTn id="25" presetID="1" presetClass="entr" presetSubtype="0" fill="hold" nodeType="withEffect">
                                   <p:stCondLst>
                                     <p:cond delay="0"/>
                                   </p:stCondLst>
                                   <p:childTnLst>
                                     <p:set>
                                       <p:cBhvr>
-                                        <p:cTn id="28" dur="1" fill="hold">
+                                        <p:cTn id="26" dur="1" fill="hold">
                                           <p:stCondLst>
                                             <p:cond delay="0"/>
                                           </p:stCondLst>
